--- a/Documentacion/Proyecto Integrador.pptx
+++ b/Documentacion/Proyecto Integrador.pptx
@@ -138,19 +138,19 @@
 <pc:chgInfo xmlns:a="http://schemas.openxmlformats.org/drawingml/2006/main" xmlns:r="http://schemas.openxmlformats.org/officeDocument/2006/relationships" xmlns:ac="http://schemas.microsoft.com/office/drawing/2013/main/command" xmlns:pc="http://schemas.microsoft.com/office/powerpoint/2013/main/command">
   <pc:docChgLst>
     <pc:chgData name="MANUEL CHILLÓN PRIETO" userId="827d2d91-178d-4b04-a7c0-2d842c396c06" providerId="ADAL" clId="{A868DEC7-CF6F-4D97-8BB3-79B469E18E7C}"/>
-    <pc:docChg chg="undo custSel addSld modSld sldOrd">
-      <pc:chgData name="MANUEL CHILLÓN PRIETO" userId="827d2d91-178d-4b04-a7c0-2d842c396c06" providerId="ADAL" clId="{A868DEC7-CF6F-4D97-8BB3-79B469E18E7C}" dt="2023-03-02T21:48:11.404" v="255" actId="1076"/>
+    <pc:docChg chg="undo redo custSel addSld modSld sldOrd">
+      <pc:chgData name="MANUEL CHILLÓN PRIETO" userId="827d2d91-178d-4b04-a7c0-2d842c396c06" providerId="ADAL" clId="{A868DEC7-CF6F-4D97-8BB3-79B469E18E7C}" dt="2023-03-02T22:00:57.152" v="308" actId="20577"/>
       <pc:docMkLst>
         <pc:docMk/>
       </pc:docMkLst>
       <pc:sldChg chg="modSp mod">
-        <pc:chgData name="MANUEL CHILLÓN PRIETO" userId="827d2d91-178d-4b04-a7c0-2d842c396c06" providerId="ADAL" clId="{A868DEC7-CF6F-4D97-8BB3-79B469E18E7C}" dt="2023-03-02T21:31:21.294" v="5" actId="20577"/>
+        <pc:chgData name="MANUEL CHILLÓN PRIETO" userId="827d2d91-178d-4b04-a7c0-2d842c396c06" providerId="ADAL" clId="{A868DEC7-CF6F-4D97-8BB3-79B469E18E7C}" dt="2023-03-02T22:00:57.152" v="308" actId="20577"/>
         <pc:sldMkLst>
           <pc:docMk/>
           <pc:sldMk cId="249615590" sldId="267"/>
         </pc:sldMkLst>
         <pc:spChg chg="mod">
-          <ac:chgData name="MANUEL CHILLÓN PRIETO" userId="827d2d91-178d-4b04-a7c0-2d842c396c06" providerId="ADAL" clId="{A868DEC7-CF6F-4D97-8BB3-79B469E18E7C}" dt="2023-03-02T21:31:21.294" v="5" actId="20577"/>
+          <ac:chgData name="MANUEL CHILLÓN PRIETO" userId="827d2d91-178d-4b04-a7c0-2d842c396c06" providerId="ADAL" clId="{A868DEC7-CF6F-4D97-8BB3-79B469E18E7C}" dt="2023-03-02T22:00:57.152" v="308" actId="20577"/>
           <ac:spMkLst>
             <pc:docMk/>
             <pc:sldMk cId="249615590" sldId="267"/>
@@ -8418,8 +8418,8 @@
         </p:nvSpPr>
         <p:spPr>
           <a:xfrm>
-            <a:off x="5283199" y="3567640"/>
-            <a:ext cx="6858001" cy="2308324"/>
+            <a:off x="5173471" y="3455173"/>
+            <a:ext cx="6858001" cy="2862322"/>
           </a:xfrm>
           <a:prstGeom prst="rect">
             <a:avLst/>
@@ -8497,6 +8497,28 @@
                 </a:solidFill>
               </a:rPr>
               <a:t> …………………. 14</a:t>
+            </a:r>
+          </a:p>
+          <a:p>
+            <a:r>
+              <a:rPr lang="es-ES" sz="3600">
+                <a:solidFill>
+                  <a:schemeClr val="bg2">
+                    <a:lumMod val="75000"/>
+                  </a:schemeClr>
+                </a:solidFill>
+              </a:rPr>
+              <a:t>Tecnologías ……………… </a:t>
+            </a:r>
+            <a:r>
+              <a:rPr lang="es-ES" sz="3600" dirty="0">
+                <a:solidFill>
+                  <a:schemeClr val="bg2">
+                    <a:lumMod val="75000"/>
+                  </a:schemeClr>
+                </a:solidFill>
+              </a:rPr>
+              <a:t>15</a:t>
             </a:r>
           </a:p>
         </p:txBody>
